--- a/LR.pptx
+++ b/LR.pptx
@@ -5,10 +5,10 @@
     <p:sldMasterId id="2147483660" r:id="rId1"/>
   </p:sldMasterIdLst>
   <p:notesMasterIdLst>
-    <p:notesMasterId r:id="rId25"/>
+    <p:notesMasterId r:id="rId31"/>
   </p:notesMasterIdLst>
   <p:handoutMasterIdLst>
-    <p:handoutMasterId r:id="rId26"/>
+    <p:handoutMasterId r:id="rId32"/>
   </p:handoutMasterIdLst>
   <p:sldIdLst>
     <p:sldId id="256" r:id="rId2"/>
@@ -33,7 +33,13 @@
     <p:sldId id="280" r:id="rId21"/>
     <p:sldId id="281" r:id="rId22"/>
     <p:sldId id="283" r:id="rId23"/>
-    <p:sldId id="284" r:id="rId24"/>
+    <p:sldId id="286" r:id="rId24"/>
+    <p:sldId id="287" r:id="rId25"/>
+    <p:sldId id="288" r:id="rId26"/>
+    <p:sldId id="289" r:id="rId27"/>
+    <p:sldId id="290" r:id="rId28"/>
+    <p:sldId id="291" r:id="rId29"/>
+    <p:sldId id="292" r:id="rId30"/>
   </p:sldIdLst>
   <p:sldSz cx="12192000" cy="6858000"/>
   <p:notesSz cx="6858000" cy="9144000"/>
@@ -159,7 +165,13 @@
             <p14:sldId id="280"/>
             <p14:sldId id="281"/>
             <p14:sldId id="283"/>
-            <p14:sldId id="284"/>
+            <p14:sldId id="286"/>
+            <p14:sldId id="287"/>
+            <p14:sldId id="288"/>
+            <p14:sldId id="289"/>
+            <p14:sldId id="290"/>
+            <p14:sldId id="291"/>
+            <p14:sldId id="292"/>
           </p14:sldIdLst>
         </p14:section>
         <p14:section name="Design, Morph, Annotate, Work Together, Tell Me" id="{B9B51309-D148-4332-87C2-07BE32FBCA3B}">
@@ -279,7 +291,7 @@
           <a:p>
             <a:fld id="{80680FBE-A8DF-4758-9AC4-3A9E1039168F}" type="datetimeFigureOut">
               <a:rPr lang="en-US" smtClean="0"/>
-              <a:t>12/28/2021</a:t>
+              <a:t>1/3/2022</a:t>
             </a:fld>
             <a:endParaRPr lang="en-US" dirty="0"/>
           </a:p>
@@ -444,7 +456,7 @@
           <a:p>
             <a:fld id="{EC13577B-6902-467D-A26C-08A0DD5E4E03}" type="datetimeFigureOut">
               <a:rPr lang="en-US" smtClean="0"/>
-              <a:t>12/28/2021</a:t>
+              <a:t>1/3/2022</a:t>
             </a:fld>
             <a:endParaRPr lang="en-US" dirty="0"/>
           </a:p>
@@ -1239,7 +1251,7 @@
             <a:fld id="{8BEEBAAA-29B5-4AF5-BC5F-7E580C29002D}" type="datetimeFigureOut">
               <a:rPr lang="en-US" smtClean="0"/>
               <a:pPr/>
-              <a:t>12/28/2021</a:t>
+              <a:t>1/3/2022</a:t>
             </a:fld>
             <a:endParaRPr lang="en-US" dirty="0"/>
           </a:p>
@@ -1865,7 +1877,7 @@
             <a:fld id="{8BEEBAAA-29B5-4AF5-BC5F-7E580C29002D}" type="datetimeFigureOut">
               <a:rPr lang="en-US" smtClean="0"/>
               <a:pPr/>
-              <a:t>12/28/2021</a:t>
+              <a:t>1/3/2022</a:t>
             </a:fld>
             <a:endParaRPr lang="en-US" dirty="0"/>
           </a:p>
@@ -5896,14 +5908,309 @@
             <p:ph type="title"/>
           </p:nvPr>
         </p:nvSpPr>
-        <p:spPr/>
+        <p:spPr>
+          <a:xfrm>
+            <a:off x="521207" y="448056"/>
+            <a:ext cx="11026359" cy="640080"/>
+          </a:xfrm>
+        </p:spPr>
         <p:txBody>
-          <a:bodyPr/>
+          <a:bodyPr>
+            <a:normAutofit fontScale="90000"/>
+          </a:bodyPr>
           <a:lstStyle/>
           <a:p>
             <a:r>
-              <a:rPr lang="en-GB" dirty="0" smtClean="0"/>
-              <a:t>.</a:t>
+              <a:rPr lang="en-US" b="1" dirty="0" smtClean="0">
+                <a:solidFill>
+                  <a:schemeClr val="tx1">
+                    <a:lumMod val="65000"/>
+                    <a:lumOff val="35000"/>
+                  </a:schemeClr>
+                </a:solidFill>
+              </a:rPr>
+              <a:t>Phosphorus </a:t>
+            </a:r>
+            <a:r>
+              <a:rPr lang="en-US" b="1" dirty="0">
+                <a:solidFill>
+                  <a:schemeClr val="tx1">
+                    <a:lumMod val="65000"/>
+                    <a:lumOff val="35000"/>
+                  </a:schemeClr>
+                </a:solidFill>
+              </a:rPr>
+              <a:t>losses via surface runoff in rice-wheat cropping systems as impacted by rainfall regimes and fertilizer </a:t>
+            </a:r>
+            <a:r>
+              <a:rPr lang="en-US" b="1" dirty="0" smtClean="0">
+                <a:solidFill>
+                  <a:schemeClr val="tx1">
+                    <a:lumMod val="65000"/>
+                    <a:lumOff val="35000"/>
+                  </a:schemeClr>
+                </a:solidFill>
+              </a:rPr>
+              <a:t>applications</a:t>
+            </a:r>
+            <a:endParaRPr lang="en-IN" b="1" dirty="0">
+              <a:solidFill>
+                <a:schemeClr val="tx1">
+                  <a:lumMod val="65000"/>
+                  <a:lumOff val="35000"/>
+                </a:schemeClr>
+              </a:solidFill>
+            </a:endParaRPr>
+          </a:p>
+        </p:txBody>
+      </p:sp>
+      <p:sp>
+        <p:nvSpPr>
+          <p:cNvPr id="3" name="Content Placeholder 2"/>
+          <p:cNvSpPr>
+            <a:spLocks noGrp="1"/>
+          </p:cNvSpPr>
+          <p:nvPr>
+            <p:ph sz="quarter" idx="10"/>
+          </p:nvPr>
+        </p:nvSpPr>
+        <p:spPr>
+          <a:xfrm>
+            <a:off x="539496" y="1435608"/>
+            <a:ext cx="11008070" cy="5056632"/>
+          </a:xfrm>
+        </p:spPr>
+        <p:txBody>
+          <a:bodyPr>
+            <a:normAutofit/>
+          </a:bodyPr>
+          <a:lstStyle/>
+          <a:p>
+            <a:pPr marL="171450" lvl="0" indent="-171450" algn="just">
+              <a:buFont typeface="Arial" panose="020B0604020202020204" pitchFamily="34" charset="0"/>
+              <a:buChar char="•"/>
+            </a:pPr>
+            <a:r>
+              <a:rPr lang="en-GB" sz="2400" dirty="0">
+                <a:solidFill>
+                  <a:prstClr val="black">
+                    <a:lumMod val="75000"/>
+                    <a:lumOff val="25000"/>
+                  </a:prstClr>
+                </a:solidFill>
+              </a:rPr>
+              <a:t>Journal - </a:t>
+            </a:r>
+            <a:r>
+              <a:rPr lang="en-US" sz="2000" dirty="0" smtClean="0">
+                <a:solidFill>
+                  <a:prstClr val="black">
+                    <a:lumMod val="75000"/>
+                    <a:lumOff val="25000"/>
+                  </a:prstClr>
+                </a:solidFill>
+              </a:rPr>
+              <a:t>Journal </a:t>
+            </a:r>
+            <a:r>
+              <a:rPr lang="en-US" sz="2000" dirty="0">
+                <a:solidFill>
+                  <a:prstClr val="black">
+                    <a:lumMod val="75000"/>
+                    <a:lumOff val="25000"/>
+                  </a:prstClr>
+                </a:solidFill>
+              </a:rPr>
+              <a:t>of Integrative Agriculture, ISSN: 2095-3119 (Elsevier</a:t>
+            </a:r>
+            <a:r>
+              <a:rPr lang="en-US" sz="2000" dirty="0" smtClean="0">
+                <a:solidFill>
+                  <a:prstClr val="black">
+                    <a:lumMod val="75000"/>
+                    <a:lumOff val="25000"/>
+                  </a:prstClr>
+                </a:solidFill>
+              </a:rPr>
+              <a:t>)</a:t>
+            </a:r>
+            <a:endParaRPr lang="en-US" sz="2000" dirty="0" smtClean="0">
+              <a:solidFill>
+                <a:prstClr val="black">
+                  <a:lumMod val="75000"/>
+                  <a:lumOff val="25000"/>
+                </a:prstClr>
+              </a:solidFill>
+            </a:endParaRPr>
+          </a:p>
+          <a:p>
+            <a:pPr marL="171450" lvl="0" indent="-171450" algn="just">
+              <a:buFont typeface="Arial" panose="020B0604020202020204" pitchFamily="34" charset="0"/>
+              <a:buChar char="•"/>
+            </a:pPr>
+            <a:r>
+              <a:rPr lang="en-IN" sz="2400" dirty="0" smtClean="0">
+                <a:solidFill>
+                  <a:prstClr val="black">
+                    <a:lumMod val="75000"/>
+                    <a:lumOff val="25000"/>
+                  </a:prstClr>
+                </a:solidFill>
+              </a:rPr>
+              <a:t>Date </a:t>
+            </a:r>
+            <a:r>
+              <a:rPr lang="en-IN" sz="2400" dirty="0">
+                <a:solidFill>
+                  <a:prstClr val="black">
+                    <a:lumMod val="75000"/>
+                    <a:lumOff val="25000"/>
+                  </a:prstClr>
+                </a:solidFill>
+              </a:rPr>
+              <a:t>of Publication – </a:t>
+            </a:r>
+            <a:r>
+              <a:rPr lang="en-IN" sz="2000" dirty="0" smtClean="0">
+                <a:solidFill>
+                  <a:prstClr val="black">
+                    <a:lumMod val="75000"/>
+                    <a:lumOff val="25000"/>
+                  </a:prstClr>
+                </a:solidFill>
+              </a:rPr>
+              <a:t>Mar</a:t>
+            </a:r>
+            <a:r>
+              <a:rPr lang="en-IN" sz="2000" dirty="0" smtClean="0">
+                <a:solidFill>
+                  <a:prstClr val="black">
+                    <a:lumMod val="75000"/>
+                    <a:lumOff val="25000"/>
+                  </a:prstClr>
+                </a:solidFill>
+              </a:rPr>
+              <a:t> 2018</a:t>
+            </a:r>
+            <a:endParaRPr lang="en-IN" sz="2000" dirty="0" smtClean="0">
+              <a:solidFill>
+                <a:prstClr val="black">
+                  <a:lumMod val="75000"/>
+                  <a:lumOff val="25000"/>
+                </a:prstClr>
+              </a:solidFill>
+            </a:endParaRPr>
+          </a:p>
+          <a:p>
+            <a:pPr marL="171450" lvl="0" indent="-171450" algn="just">
+              <a:buFont typeface="Arial" panose="020B0604020202020204" pitchFamily="34" charset="0"/>
+              <a:buChar char="•"/>
+            </a:pPr>
+            <a:r>
+              <a:rPr lang="en-GB" sz="2400" dirty="0" smtClean="0">
+                <a:solidFill>
+                  <a:prstClr val="black">
+                    <a:lumMod val="75000"/>
+                    <a:lumOff val="25000"/>
+                  </a:prstClr>
+                </a:solidFill>
+              </a:rPr>
+              <a:t>Findings relate to project - </a:t>
+            </a:r>
+            <a:r>
+              <a:rPr lang="en-US" sz="2000" dirty="0" smtClean="0">
+                <a:solidFill>
+                  <a:prstClr val="black">
+                    <a:lumMod val="75000"/>
+                    <a:lumOff val="25000"/>
+                  </a:prstClr>
+                </a:solidFill>
+              </a:rPr>
+              <a:t>Phosphorus </a:t>
+            </a:r>
+            <a:r>
+              <a:rPr lang="en-US" sz="2000" dirty="0">
+                <a:solidFill>
+                  <a:prstClr val="black">
+                    <a:lumMod val="75000"/>
+                    <a:lumOff val="25000"/>
+                  </a:prstClr>
+                </a:solidFill>
+              </a:rPr>
+              <a:t>(P) losses from agricultural soils contribute to eutrophication of surface waters. This field plot study investigated effects of rainfall regimes and P applications on P loss by surface runoff from rice and wheat cropping systems.</a:t>
+            </a:r>
+          </a:p>
+          <a:p>
+            <a:pPr marL="171450" lvl="0" indent="-171450" algn="just">
+              <a:buFont typeface="Arial" panose="020B0604020202020204" pitchFamily="34" charset="0"/>
+              <a:buChar char="•"/>
+            </a:pPr>
+            <a:endParaRPr lang="en-IN" dirty="0"/>
+          </a:p>
+        </p:txBody>
+      </p:sp>
+    </p:spTree>
+    <p:extLst>
+      <p:ext uri="{BB962C8B-B14F-4D97-AF65-F5344CB8AC3E}">
+        <p14:creationId xmlns:p14="http://schemas.microsoft.com/office/powerpoint/2010/main" val="855760662"/>
+      </p:ext>
+    </p:extLst>
+  </p:cSld>
+  <p:clrMapOvr>
+    <a:masterClrMapping/>
+  </p:clrMapOvr>
+</p:sld>
+</file>
+
+<file path=ppt/slides/slide24.xml><?xml version="1.0" encoding="utf-8"?>
+<p:sld xmlns:a="http://schemas.openxmlformats.org/drawingml/2006/main" xmlns:r="http://schemas.openxmlformats.org/officeDocument/2006/relationships" xmlns:p="http://schemas.openxmlformats.org/presentationml/2006/main">
+  <p:cSld>
+    <p:spTree>
+      <p:nvGrpSpPr>
+        <p:cNvPr id="1" name=""/>
+        <p:cNvGrpSpPr/>
+        <p:nvPr/>
+      </p:nvGrpSpPr>
+      <p:grpSpPr>
+        <a:xfrm>
+          <a:off x="0" y="0"/>
+          <a:ext cx="0" cy="0"/>
+          <a:chOff x="0" y="0"/>
+          <a:chExt cx="0" cy="0"/>
+        </a:xfrm>
+      </p:grpSpPr>
+      <p:sp>
+        <p:nvSpPr>
+          <p:cNvPr id="2" name="Title 1"/>
+          <p:cNvSpPr>
+            <a:spLocks noGrp="1"/>
+          </p:cNvSpPr>
+          <p:nvPr>
+            <p:ph type="title"/>
+          </p:nvPr>
+        </p:nvSpPr>
+        <p:spPr>
+          <a:xfrm>
+            <a:off x="521207" y="448056"/>
+            <a:ext cx="11065547" cy="640080"/>
+          </a:xfrm>
+        </p:spPr>
+        <p:txBody>
+          <a:bodyPr>
+            <a:normAutofit fontScale="90000"/>
+          </a:bodyPr>
+          <a:lstStyle/>
+          <a:p>
+            <a:r>
+              <a:rPr lang="en-US" b="1" dirty="0">
+                <a:solidFill>
+                  <a:schemeClr val="tx1">
+                    <a:lumMod val="65000"/>
+                    <a:lumOff val="35000"/>
+                  </a:schemeClr>
+                </a:solidFill>
+              </a:rPr>
+              <a:t>Phosphorus losses via surface runoff in rice-wheat cropping systems as impacted by rainfall regimes and fertilizer applications</a:t>
             </a:r>
             <a:endParaRPr lang="en-IN" dirty="0"/>
           </a:p>
@@ -5922,7 +6229,7 @@
         <p:spPr>
           <a:xfrm>
             <a:off x="539496" y="1435607"/>
-            <a:ext cx="11047258" cy="4703935"/>
+            <a:ext cx="11047258" cy="4912941"/>
           </a:xfrm>
         </p:spPr>
         <p:txBody>
@@ -5931,29 +6238,1096 @@
           </a:bodyPr>
           <a:lstStyle/>
           <a:p>
-            <a:pPr algn="ctr"/>
-            <a:r>
-              <a:rPr lang="en-GB" sz="7200" dirty="0" smtClean="0">
-                <a:solidFill>
-                  <a:srgbClr val="FF3300"/>
-                </a:solidFill>
-                <a:latin typeface="Algerian" panose="04020705040A02060702" pitchFamily="82" charset="0"/>
-              </a:rPr>
-              <a:t>Thank You</a:t>
-            </a:r>
-            <a:endParaRPr lang="en-IN" sz="7200" dirty="0">
+            <a:pPr lvl="0" algn="just"/>
+            <a:r>
+              <a:rPr lang="en-US" sz="2200" dirty="0">
+                <a:solidFill>
+                  <a:prstClr val="black">
+                    <a:lumMod val="75000"/>
+                    <a:lumOff val="25000"/>
+                  </a:prstClr>
+                </a:solidFill>
+              </a:rPr>
+              <a:t>Summary :</a:t>
+            </a:r>
+          </a:p>
+          <a:p>
+            <a:pPr lvl="0" algn="just"/>
+            <a:r>
+              <a:rPr lang="en-US" sz="1800" dirty="0" smtClean="0">
+                <a:solidFill>
+                  <a:prstClr val="black">
+                    <a:lumMod val="75000"/>
+                    <a:lumOff val="25000"/>
+                  </a:prstClr>
+                </a:solidFill>
+              </a:rPr>
+              <a:t>Phosphorus </a:t>
+            </a:r>
+            <a:r>
+              <a:rPr lang="en-US" sz="1800" dirty="0">
+                <a:solidFill>
+                  <a:prstClr val="black">
+                    <a:lumMod val="75000"/>
+                    <a:lumOff val="25000"/>
+                  </a:prstClr>
+                </a:solidFill>
+              </a:rPr>
+              <a:t>losses from rice-wheat cropping systems can be affected by rainfall regimes, P application rates and soil P content, as well as field management practices such as construction of field bund and open ditches. In particular, great P loss results from heavy rainfalls shortly after P applications, and P loss increases with increasing P application rates and soil P content. Phosphorus concentrations in surface runoff are regulated by P concentrations in field ponding water during rice growing season. Phosphorus loss during winter wheat growing season can be enhanced by constructing open ditches. </a:t>
+            </a:r>
+          </a:p>
+          <a:p>
+            <a:pPr lvl="0" algn="just"/>
+            <a:endParaRPr lang="en-IN" sz="2000" dirty="0">
               <a:solidFill>
-                <a:srgbClr val="FF3300"/>
+                <a:prstClr val="black">
+                  <a:lumMod val="75000"/>
+                  <a:lumOff val="25000"/>
+                </a:prstClr>
               </a:solidFill>
-              <a:latin typeface="Algerian" panose="04020705040A02060702" pitchFamily="82" charset="0"/>
             </a:endParaRPr>
+          </a:p>
+          <a:p>
+            <a:endParaRPr lang="en-IN" dirty="0"/>
           </a:p>
         </p:txBody>
       </p:sp>
     </p:spTree>
     <p:extLst>
       <p:ext uri="{BB962C8B-B14F-4D97-AF65-F5344CB8AC3E}">
-        <p14:creationId xmlns:p14="http://schemas.microsoft.com/office/powerpoint/2010/main" val="2819053821"/>
+        <p14:creationId xmlns:p14="http://schemas.microsoft.com/office/powerpoint/2010/main" val="3246520583"/>
+      </p:ext>
+    </p:extLst>
+  </p:cSld>
+  <p:clrMapOvr>
+    <a:masterClrMapping/>
+  </p:clrMapOvr>
+</p:sld>
+</file>
+
+<file path=ppt/slides/slide25.xml><?xml version="1.0" encoding="utf-8"?>
+<p:sld xmlns:a="http://schemas.openxmlformats.org/drawingml/2006/main" xmlns:r="http://schemas.openxmlformats.org/officeDocument/2006/relationships" xmlns:p="http://schemas.openxmlformats.org/presentationml/2006/main">
+  <p:cSld>
+    <p:spTree>
+      <p:nvGrpSpPr>
+        <p:cNvPr id="1" name=""/>
+        <p:cNvGrpSpPr/>
+        <p:nvPr/>
+      </p:nvGrpSpPr>
+      <p:grpSpPr>
+        <a:xfrm>
+          <a:off x="0" y="0"/>
+          <a:ext cx="0" cy="0"/>
+          <a:chOff x="0" y="0"/>
+          <a:chExt cx="0" cy="0"/>
+        </a:xfrm>
+      </p:grpSpPr>
+      <p:sp>
+        <p:nvSpPr>
+          <p:cNvPr id="2" name="Title 1"/>
+          <p:cNvSpPr>
+            <a:spLocks noGrp="1"/>
+          </p:cNvSpPr>
+          <p:nvPr>
+            <p:ph type="title"/>
+          </p:nvPr>
+        </p:nvSpPr>
+        <p:spPr>
+          <a:xfrm>
+            <a:off x="521207" y="448056"/>
+            <a:ext cx="11065547" cy="640080"/>
+          </a:xfrm>
+        </p:spPr>
+        <p:txBody>
+          <a:bodyPr>
+            <a:normAutofit fontScale="90000"/>
+          </a:bodyPr>
+          <a:lstStyle/>
+          <a:p>
+            <a:r>
+              <a:rPr lang="en-US" b="1" dirty="0">
+                <a:solidFill>
+                  <a:schemeClr val="tx1">
+                    <a:lumMod val="65000"/>
+                    <a:lumOff val="35000"/>
+                  </a:schemeClr>
+                </a:solidFill>
+              </a:rPr>
+              <a:t>Phosphorus losses via surface runoff in rice-wheat cropping systems as impacted by rainfall regimes and fertilizer applications</a:t>
+            </a:r>
+            <a:endParaRPr lang="en-IN" dirty="0"/>
+          </a:p>
+        </p:txBody>
+      </p:sp>
+      <p:sp>
+        <p:nvSpPr>
+          <p:cNvPr id="3" name="Content Placeholder 2"/>
+          <p:cNvSpPr>
+            <a:spLocks noGrp="1"/>
+          </p:cNvSpPr>
+          <p:nvPr>
+            <p:ph sz="quarter" idx="10"/>
+          </p:nvPr>
+        </p:nvSpPr>
+        <p:spPr>
+          <a:xfrm>
+            <a:off x="539497" y="1435607"/>
+            <a:ext cx="5887430" cy="4912941"/>
+          </a:xfrm>
+        </p:spPr>
+        <p:txBody>
+          <a:bodyPr>
+            <a:normAutofit lnSpcReduction="10000"/>
+          </a:bodyPr>
+          <a:lstStyle/>
+          <a:p>
+            <a:pPr lvl="0" algn="just"/>
+            <a:r>
+              <a:rPr lang="en-US" sz="2200" dirty="0" smtClean="0">
+                <a:solidFill>
+                  <a:prstClr val="black">
+                    <a:lumMod val="75000"/>
+                    <a:lumOff val="25000"/>
+                  </a:prstClr>
+                </a:solidFill>
+              </a:rPr>
+              <a:t>Methodology</a:t>
+            </a:r>
+            <a:r>
+              <a:rPr lang="en-US" sz="2200" dirty="0" smtClean="0">
+                <a:solidFill>
+                  <a:prstClr val="black">
+                    <a:lumMod val="75000"/>
+                    <a:lumOff val="25000"/>
+                  </a:prstClr>
+                </a:solidFill>
+              </a:rPr>
+              <a:t> </a:t>
+            </a:r>
+            <a:r>
+              <a:rPr lang="en-US" sz="2200" dirty="0">
+                <a:solidFill>
+                  <a:prstClr val="black">
+                    <a:lumMod val="75000"/>
+                    <a:lumOff val="25000"/>
+                  </a:prstClr>
+                </a:solidFill>
+              </a:rPr>
+              <a:t>:</a:t>
+            </a:r>
+          </a:p>
+          <a:p>
+            <a:pPr lvl="0" algn="just"/>
+            <a:r>
+              <a:rPr lang="en-US" sz="1800" dirty="0" smtClean="0">
+                <a:solidFill>
+                  <a:prstClr val="black">
+                    <a:lumMod val="75000"/>
+                    <a:lumOff val="25000"/>
+                  </a:prstClr>
+                </a:solidFill>
+              </a:rPr>
+              <a:t>The </a:t>
+            </a:r>
+            <a:r>
+              <a:rPr lang="en-US" sz="1800" dirty="0">
+                <a:solidFill>
+                  <a:prstClr val="black">
+                    <a:lumMod val="75000"/>
+                    <a:lumOff val="25000"/>
+                  </a:prstClr>
+                </a:solidFill>
+              </a:rPr>
+              <a:t>SAS software (Version 9.2) was used for statistical analysis. A mixed model was used to analyze differences in P losses between years, crop seasons, P treatments and soils. Pairwise comparisons of means were adjusted using the Tukey-Kramer multiple comparisons test. The general linear model was used for analysis of regressions of runoff P concentration and P concentration in the field ponding water during rice growing seasons. A significance level of α=0.05 was used throughout this study unless otherwise stated.</a:t>
+            </a:r>
+          </a:p>
+          <a:p>
+            <a:pPr lvl="0" algn="just"/>
+            <a:endParaRPr lang="en-IN" sz="2000" dirty="0">
+              <a:solidFill>
+                <a:prstClr val="black">
+                  <a:lumMod val="75000"/>
+                  <a:lumOff val="25000"/>
+                </a:prstClr>
+              </a:solidFill>
+            </a:endParaRPr>
+          </a:p>
+          <a:p>
+            <a:endParaRPr lang="en-IN" dirty="0"/>
+          </a:p>
+        </p:txBody>
+      </p:sp>
+      <p:pic>
+        <p:nvPicPr>
+          <p:cNvPr id="4" name="Picture 3"/>
+          <p:cNvPicPr>
+            <a:picLocks noChangeAspect="1"/>
+          </p:cNvPicPr>
+          <p:nvPr/>
+        </p:nvPicPr>
+        <p:blipFill>
+          <a:blip r:embed="rId2">
+            <a:extLst>
+              <a:ext uri="{28A0092B-C50C-407E-A947-70E740481C1C}">
+                <a14:useLocalDpi xmlns:a14="http://schemas.microsoft.com/office/drawing/2010/main" val="0"/>
+              </a:ext>
+            </a:extLst>
+          </a:blip>
+          <a:stretch>
+            <a:fillRect/>
+          </a:stretch>
+        </p:blipFill>
+        <p:spPr>
+          <a:xfrm>
+            <a:off x="6653348" y="1921545"/>
+            <a:ext cx="4933406" cy="3941064"/>
+          </a:xfrm>
+          <a:prstGeom prst="roundRect">
+            <a:avLst>
+              <a:gd name="adj" fmla="val 8594"/>
+            </a:avLst>
+          </a:prstGeom>
+          <a:solidFill>
+            <a:srgbClr val="FFFFFF">
+              <a:shade val="85000"/>
+            </a:srgbClr>
+          </a:solidFill>
+          <a:ln>
+            <a:noFill/>
+          </a:ln>
+          <a:effectLst>
+            <a:reflection blurRad="12700" stA="38000" endPos="28000" dist="5000" dir="5400000" sy="-100000" algn="bl" rotWithShape="0"/>
+          </a:effectLst>
+        </p:spPr>
+      </p:pic>
+    </p:spTree>
+    <p:extLst>
+      <p:ext uri="{BB962C8B-B14F-4D97-AF65-F5344CB8AC3E}">
+        <p14:creationId xmlns:p14="http://schemas.microsoft.com/office/powerpoint/2010/main" val="2982459276"/>
+      </p:ext>
+    </p:extLst>
+  </p:cSld>
+  <p:clrMapOvr>
+    <a:masterClrMapping/>
+  </p:clrMapOvr>
+</p:sld>
+</file>
+
+<file path=ppt/slides/slide26.xml><?xml version="1.0" encoding="utf-8"?>
+<p:sld xmlns:a="http://schemas.openxmlformats.org/drawingml/2006/main" xmlns:r="http://schemas.openxmlformats.org/officeDocument/2006/relationships" xmlns:p="http://schemas.openxmlformats.org/presentationml/2006/main">
+  <p:cSld>
+    <p:spTree>
+      <p:nvGrpSpPr>
+        <p:cNvPr id="1" name=""/>
+        <p:cNvGrpSpPr/>
+        <p:nvPr/>
+      </p:nvGrpSpPr>
+      <p:grpSpPr>
+        <a:xfrm>
+          <a:off x="0" y="0"/>
+          <a:ext cx="0" cy="0"/>
+          <a:chOff x="0" y="0"/>
+          <a:chExt cx="0" cy="0"/>
+        </a:xfrm>
+      </p:grpSpPr>
+      <p:sp>
+        <p:nvSpPr>
+          <p:cNvPr id="2" name="Title 1"/>
+          <p:cNvSpPr>
+            <a:spLocks noGrp="1"/>
+          </p:cNvSpPr>
+          <p:nvPr>
+            <p:ph type="title"/>
+          </p:nvPr>
+        </p:nvSpPr>
+        <p:spPr>
+          <a:xfrm>
+            <a:off x="521207" y="448056"/>
+            <a:ext cx="11026359" cy="640080"/>
+          </a:xfrm>
+        </p:spPr>
+        <p:txBody>
+          <a:bodyPr>
+            <a:normAutofit/>
+          </a:bodyPr>
+          <a:lstStyle/>
+          <a:p>
+            <a:r>
+              <a:rPr lang="en-US" b="1" dirty="0" smtClean="0">
+                <a:solidFill>
+                  <a:schemeClr val="tx1">
+                    <a:lumMod val="65000"/>
+                    <a:lumOff val="35000"/>
+                  </a:schemeClr>
+                </a:solidFill>
+              </a:rPr>
+              <a:t>Prediction </a:t>
+            </a:r>
+            <a:r>
+              <a:rPr lang="en-US" b="1" dirty="0">
+                <a:solidFill>
+                  <a:schemeClr val="tx1">
+                    <a:lumMod val="65000"/>
+                    <a:lumOff val="35000"/>
+                  </a:schemeClr>
+                </a:solidFill>
+              </a:rPr>
+              <a:t>of Crop Fertilizer </a:t>
+            </a:r>
+            <a:r>
+              <a:rPr lang="en-US" b="1" dirty="0" smtClean="0">
+                <a:solidFill>
+                  <a:schemeClr val="tx1">
+                    <a:lumMod val="65000"/>
+                    <a:lumOff val="35000"/>
+                  </a:schemeClr>
+                </a:solidFill>
+              </a:rPr>
+              <a:t>Consumption</a:t>
+            </a:r>
+            <a:endParaRPr lang="en-IN" b="1" dirty="0">
+              <a:solidFill>
+                <a:schemeClr val="tx1">
+                  <a:lumMod val="65000"/>
+                  <a:lumOff val="35000"/>
+                </a:schemeClr>
+              </a:solidFill>
+            </a:endParaRPr>
+          </a:p>
+        </p:txBody>
+      </p:sp>
+      <p:sp>
+        <p:nvSpPr>
+          <p:cNvPr id="3" name="Content Placeholder 2"/>
+          <p:cNvSpPr>
+            <a:spLocks noGrp="1"/>
+          </p:cNvSpPr>
+          <p:nvPr>
+            <p:ph sz="quarter" idx="10"/>
+          </p:nvPr>
+        </p:nvSpPr>
+        <p:spPr>
+          <a:xfrm>
+            <a:off x="539496" y="1435608"/>
+            <a:ext cx="11008070" cy="5056632"/>
+          </a:xfrm>
+        </p:spPr>
+        <p:txBody>
+          <a:bodyPr>
+            <a:normAutofit/>
+          </a:bodyPr>
+          <a:lstStyle/>
+          <a:p>
+            <a:pPr marL="171450" lvl="0" indent="-171450" algn="just">
+              <a:buFont typeface="Arial" panose="020B0604020202020204" pitchFamily="34" charset="0"/>
+              <a:buChar char="•"/>
+            </a:pPr>
+            <a:r>
+              <a:rPr lang="en-GB" sz="2400" dirty="0">
+                <a:solidFill>
+                  <a:prstClr val="black">
+                    <a:lumMod val="75000"/>
+                    <a:lumOff val="25000"/>
+                  </a:prstClr>
+                </a:solidFill>
+              </a:rPr>
+              <a:t>Journal </a:t>
+            </a:r>
+            <a:r>
+              <a:rPr lang="en-GB" sz="2400" dirty="0" smtClean="0">
+                <a:solidFill>
+                  <a:prstClr val="black">
+                    <a:lumMod val="75000"/>
+                    <a:lumOff val="25000"/>
+                  </a:prstClr>
+                </a:solidFill>
+              </a:rPr>
+              <a:t>– </a:t>
+            </a:r>
+            <a:r>
+              <a:rPr lang="en-US" sz="2000" dirty="0" smtClean="0">
+                <a:solidFill>
+                  <a:prstClr val="black">
+                    <a:lumMod val="75000"/>
+                    <a:lumOff val="25000"/>
+                  </a:prstClr>
+                </a:solidFill>
+              </a:rPr>
+              <a:t>IEEE</a:t>
+            </a:r>
+            <a:r>
+              <a:rPr lang="en-US" sz="2000" dirty="0">
+                <a:solidFill>
+                  <a:prstClr val="black">
+                    <a:lumMod val="75000"/>
+                    <a:lumOff val="25000"/>
+                  </a:prstClr>
+                </a:solidFill>
+              </a:rPr>
+              <a:t>, DOI: </a:t>
+            </a:r>
+            <a:r>
+              <a:rPr lang="en-US" sz="2000" dirty="0" smtClean="0">
+                <a:solidFill>
+                  <a:prstClr val="black">
+                    <a:lumMod val="75000"/>
+                    <a:lumOff val="25000"/>
+                  </a:prstClr>
+                </a:solidFill>
+              </a:rPr>
+              <a:t>10.1109/ICCUBEA.2018.8697827</a:t>
+            </a:r>
+          </a:p>
+          <a:p>
+            <a:pPr marL="171450" lvl="0" indent="-171450" algn="just">
+              <a:buFont typeface="Arial" panose="020B0604020202020204" pitchFamily="34" charset="0"/>
+              <a:buChar char="•"/>
+            </a:pPr>
+            <a:r>
+              <a:rPr lang="en-IN" sz="2400" dirty="0" smtClean="0">
+                <a:solidFill>
+                  <a:prstClr val="black">
+                    <a:lumMod val="75000"/>
+                    <a:lumOff val="25000"/>
+                  </a:prstClr>
+                </a:solidFill>
+              </a:rPr>
+              <a:t>Date </a:t>
+            </a:r>
+            <a:r>
+              <a:rPr lang="en-IN" sz="2400" dirty="0">
+                <a:solidFill>
+                  <a:prstClr val="black">
+                    <a:lumMod val="75000"/>
+                    <a:lumOff val="25000"/>
+                  </a:prstClr>
+                </a:solidFill>
+              </a:rPr>
+              <a:t>of Publication – </a:t>
+            </a:r>
+            <a:r>
+              <a:rPr lang="en-IN" sz="2000" dirty="0" smtClean="0">
+                <a:solidFill>
+                  <a:prstClr val="black">
+                    <a:lumMod val="75000"/>
+                    <a:lumOff val="25000"/>
+                  </a:prstClr>
+                </a:solidFill>
+              </a:rPr>
+              <a:t>Aug 2018</a:t>
+            </a:r>
+            <a:endParaRPr lang="en-IN" sz="2000" dirty="0" smtClean="0">
+              <a:solidFill>
+                <a:prstClr val="black">
+                  <a:lumMod val="75000"/>
+                  <a:lumOff val="25000"/>
+                </a:prstClr>
+              </a:solidFill>
+            </a:endParaRPr>
+          </a:p>
+          <a:p>
+            <a:pPr marL="171450" lvl="0" indent="-171450" algn="just">
+              <a:buFont typeface="Arial" panose="020B0604020202020204" pitchFamily="34" charset="0"/>
+              <a:buChar char="•"/>
+            </a:pPr>
+            <a:r>
+              <a:rPr lang="en-GB" sz="2400" dirty="0" smtClean="0">
+                <a:solidFill>
+                  <a:prstClr val="black">
+                    <a:lumMod val="75000"/>
+                    <a:lumOff val="25000"/>
+                  </a:prstClr>
+                </a:solidFill>
+              </a:rPr>
+              <a:t>Findings relate to project - </a:t>
+            </a:r>
+            <a:r>
+              <a:rPr lang="en-US" sz="2000" dirty="0" smtClean="0">
+                <a:solidFill>
+                  <a:prstClr val="black">
+                    <a:lumMod val="75000"/>
+                    <a:lumOff val="25000"/>
+                  </a:prstClr>
+                </a:solidFill>
+              </a:rPr>
+              <a:t>The </a:t>
+            </a:r>
+            <a:r>
+              <a:rPr lang="en-US" sz="2000" dirty="0">
+                <a:solidFill>
+                  <a:prstClr val="black">
+                    <a:lumMod val="75000"/>
+                    <a:lumOff val="25000"/>
+                  </a:prstClr>
+                </a:solidFill>
+              </a:rPr>
+              <a:t>proposed work identifies the nitrogen deficiency in chilly, determines the area of region of deficient region and predicts the amount of fertilizer consumption by these deficient plants.</a:t>
+            </a:r>
+          </a:p>
+          <a:p>
+            <a:pPr marL="171450" lvl="0" indent="-171450" algn="just">
+              <a:buFont typeface="Arial" panose="020B0604020202020204" pitchFamily="34" charset="0"/>
+              <a:buChar char="•"/>
+            </a:pPr>
+            <a:endParaRPr lang="en-IN" dirty="0"/>
+          </a:p>
+        </p:txBody>
+      </p:sp>
+    </p:spTree>
+    <p:extLst>
+      <p:ext uri="{BB962C8B-B14F-4D97-AF65-F5344CB8AC3E}">
+        <p14:creationId xmlns:p14="http://schemas.microsoft.com/office/powerpoint/2010/main" val="2870217965"/>
+      </p:ext>
+    </p:extLst>
+  </p:cSld>
+  <p:clrMapOvr>
+    <a:masterClrMapping/>
+  </p:clrMapOvr>
+</p:sld>
+</file>
+
+<file path=ppt/slides/slide27.xml><?xml version="1.0" encoding="utf-8"?>
+<p:sld xmlns:a="http://schemas.openxmlformats.org/drawingml/2006/main" xmlns:r="http://schemas.openxmlformats.org/officeDocument/2006/relationships" xmlns:p="http://schemas.openxmlformats.org/presentationml/2006/main">
+  <p:cSld>
+    <p:spTree>
+      <p:nvGrpSpPr>
+        <p:cNvPr id="1" name=""/>
+        <p:cNvGrpSpPr/>
+        <p:nvPr/>
+      </p:nvGrpSpPr>
+      <p:grpSpPr>
+        <a:xfrm>
+          <a:off x="0" y="0"/>
+          <a:ext cx="0" cy="0"/>
+          <a:chOff x="0" y="0"/>
+          <a:chExt cx="0" cy="0"/>
+        </a:xfrm>
+      </p:grpSpPr>
+      <p:sp>
+        <p:nvSpPr>
+          <p:cNvPr id="2" name="Title 1"/>
+          <p:cNvSpPr>
+            <a:spLocks noGrp="1"/>
+          </p:cNvSpPr>
+          <p:nvPr>
+            <p:ph type="title"/>
+          </p:nvPr>
+        </p:nvSpPr>
+        <p:spPr>
+          <a:xfrm>
+            <a:off x="521207" y="448056"/>
+            <a:ext cx="11065547" cy="640080"/>
+          </a:xfrm>
+        </p:spPr>
+        <p:txBody>
+          <a:bodyPr>
+            <a:normAutofit/>
+          </a:bodyPr>
+          <a:lstStyle/>
+          <a:p>
+            <a:r>
+              <a:rPr lang="en-US" b="1" dirty="0">
+                <a:solidFill>
+                  <a:schemeClr val="tx1">
+                    <a:lumMod val="65000"/>
+                    <a:lumOff val="35000"/>
+                  </a:schemeClr>
+                </a:solidFill>
+              </a:rPr>
+              <a:t>Prediction of Crop Fertilizer Consumption</a:t>
+            </a:r>
+            <a:endParaRPr lang="en-IN" dirty="0"/>
+          </a:p>
+        </p:txBody>
+      </p:sp>
+      <p:sp>
+        <p:nvSpPr>
+          <p:cNvPr id="3" name="Content Placeholder 2"/>
+          <p:cNvSpPr>
+            <a:spLocks noGrp="1"/>
+          </p:cNvSpPr>
+          <p:nvPr>
+            <p:ph sz="quarter" idx="10"/>
+          </p:nvPr>
+        </p:nvSpPr>
+        <p:spPr>
+          <a:xfrm>
+            <a:off x="539496" y="1435607"/>
+            <a:ext cx="11047258" cy="4912941"/>
+          </a:xfrm>
+        </p:spPr>
+        <p:txBody>
+          <a:bodyPr>
+            <a:normAutofit/>
+          </a:bodyPr>
+          <a:lstStyle/>
+          <a:p>
+            <a:pPr lvl="0" algn="just"/>
+            <a:r>
+              <a:rPr lang="en-US" sz="2200" dirty="0">
+                <a:solidFill>
+                  <a:prstClr val="black">
+                    <a:lumMod val="75000"/>
+                    <a:lumOff val="25000"/>
+                  </a:prstClr>
+                </a:solidFill>
+              </a:rPr>
+              <a:t>Summary :</a:t>
+            </a:r>
+          </a:p>
+          <a:p>
+            <a:pPr lvl="0" algn="just"/>
+            <a:r>
+              <a:rPr lang="en-US" sz="1800" dirty="0" smtClean="0">
+                <a:solidFill>
+                  <a:prstClr val="black">
+                    <a:lumMod val="75000"/>
+                    <a:lumOff val="25000"/>
+                  </a:prstClr>
+                </a:solidFill>
+              </a:rPr>
+              <a:t>There </a:t>
+            </a:r>
+            <a:r>
+              <a:rPr lang="en-US" sz="1800" dirty="0">
+                <a:solidFill>
+                  <a:prstClr val="black">
+                    <a:lumMod val="75000"/>
+                    <a:lumOff val="25000"/>
+                  </a:prstClr>
+                </a:solidFill>
+              </a:rPr>
+              <a:t>is need for proper guidance for optimal usage of these fertilizers and is required by farmers in order to get more yields and prevent </a:t>
+            </a:r>
+            <a:r>
+              <a:rPr lang="en-US" sz="1800" dirty="0" smtClean="0">
+                <a:solidFill>
+                  <a:prstClr val="black">
+                    <a:lumMod val="75000"/>
+                    <a:lumOff val="25000"/>
+                  </a:prstClr>
+                </a:solidFill>
+              </a:rPr>
+              <a:t>wastage. The </a:t>
+            </a:r>
+            <a:r>
+              <a:rPr lang="en-US" sz="1800" dirty="0">
+                <a:solidFill>
+                  <a:prstClr val="black">
+                    <a:lumMod val="75000"/>
+                    <a:lumOff val="25000"/>
+                  </a:prstClr>
+                </a:solidFill>
+              </a:rPr>
+              <a:t>factors affecting the fertilizer consumption are: extent of available land, cultivated land, rainfall, cropping pattern, soil characteristics. The various nitrogen fertilizers that are supplied to plant, when it is deficient are ammonium nitrate, urea, ammonium </a:t>
+            </a:r>
+            <a:r>
+              <a:rPr lang="en-US" sz="1800" dirty="0" smtClean="0">
+                <a:solidFill>
+                  <a:prstClr val="black">
+                    <a:lumMod val="75000"/>
+                    <a:lumOff val="25000"/>
+                  </a:prstClr>
+                </a:solidFill>
+              </a:rPr>
+              <a:t>sulphate, </a:t>
+            </a:r>
+            <a:r>
+              <a:rPr lang="en-US" sz="1800" dirty="0">
+                <a:solidFill>
+                  <a:prstClr val="black">
+                    <a:lumMod val="75000"/>
+                    <a:lumOff val="25000"/>
+                  </a:prstClr>
+                </a:solidFill>
+              </a:rPr>
+              <a:t>and </a:t>
+            </a:r>
+            <a:r>
+              <a:rPr lang="en-US" sz="1800" dirty="0" smtClean="0">
+                <a:solidFill>
+                  <a:prstClr val="black">
+                    <a:lumMod val="75000"/>
+                    <a:lumOff val="25000"/>
+                  </a:prstClr>
+                </a:solidFill>
+              </a:rPr>
+              <a:t>anhydrous </a:t>
+            </a:r>
+            <a:r>
+              <a:rPr lang="en-US" sz="1800" dirty="0">
+                <a:solidFill>
+                  <a:prstClr val="black">
+                    <a:lumMod val="75000"/>
+                    <a:lumOff val="25000"/>
+                  </a:prstClr>
+                </a:solidFill>
+              </a:rPr>
+              <a:t>ammonia.  Prediction of fertilizer consumption can prevent the toxicity and deficiency in plants to certain extent and this can help farmers to get proper yield without much wastage</a:t>
+            </a:r>
+            <a:r>
+              <a:rPr lang="en-US" sz="1800" dirty="0" smtClean="0">
+                <a:solidFill>
+                  <a:prstClr val="black">
+                    <a:lumMod val="75000"/>
+                    <a:lumOff val="25000"/>
+                  </a:prstClr>
+                </a:solidFill>
+              </a:rPr>
+              <a:t>.</a:t>
+            </a:r>
+            <a:endParaRPr lang="en-US" sz="1800" dirty="0">
+              <a:solidFill>
+                <a:prstClr val="black">
+                  <a:lumMod val="75000"/>
+                  <a:lumOff val="25000"/>
+                </a:prstClr>
+              </a:solidFill>
+            </a:endParaRPr>
+          </a:p>
+          <a:p>
+            <a:pPr lvl="0" algn="just"/>
+            <a:endParaRPr lang="en-IN" sz="2000" dirty="0">
+              <a:solidFill>
+                <a:prstClr val="black">
+                  <a:lumMod val="75000"/>
+                  <a:lumOff val="25000"/>
+                </a:prstClr>
+              </a:solidFill>
+            </a:endParaRPr>
+          </a:p>
+          <a:p>
+            <a:endParaRPr lang="en-IN" dirty="0"/>
+          </a:p>
+        </p:txBody>
+      </p:sp>
+    </p:spTree>
+    <p:extLst>
+      <p:ext uri="{BB962C8B-B14F-4D97-AF65-F5344CB8AC3E}">
+        <p14:creationId xmlns:p14="http://schemas.microsoft.com/office/powerpoint/2010/main" val="3407054287"/>
+      </p:ext>
+    </p:extLst>
+  </p:cSld>
+  <p:clrMapOvr>
+    <a:masterClrMapping/>
+  </p:clrMapOvr>
+</p:sld>
+</file>
+
+<file path=ppt/slides/slide28.xml><?xml version="1.0" encoding="utf-8"?>
+<p:sld xmlns:a="http://schemas.openxmlformats.org/drawingml/2006/main" xmlns:r="http://schemas.openxmlformats.org/officeDocument/2006/relationships" xmlns:p="http://schemas.openxmlformats.org/presentationml/2006/main">
+  <p:cSld>
+    <p:spTree>
+      <p:nvGrpSpPr>
+        <p:cNvPr id="1" name=""/>
+        <p:cNvGrpSpPr/>
+        <p:nvPr/>
+      </p:nvGrpSpPr>
+      <p:grpSpPr>
+        <a:xfrm>
+          <a:off x="0" y="0"/>
+          <a:ext cx="0" cy="0"/>
+          <a:chOff x="0" y="0"/>
+          <a:chExt cx="0" cy="0"/>
+        </a:xfrm>
+      </p:grpSpPr>
+      <p:sp>
+        <p:nvSpPr>
+          <p:cNvPr id="2" name="Title 1"/>
+          <p:cNvSpPr>
+            <a:spLocks noGrp="1"/>
+          </p:cNvSpPr>
+          <p:nvPr>
+            <p:ph type="title"/>
+          </p:nvPr>
+        </p:nvSpPr>
+        <p:spPr>
+          <a:xfrm>
+            <a:off x="521207" y="448056"/>
+            <a:ext cx="11065547" cy="640080"/>
+          </a:xfrm>
+        </p:spPr>
+        <p:txBody>
+          <a:bodyPr>
+            <a:normAutofit/>
+          </a:bodyPr>
+          <a:lstStyle/>
+          <a:p>
+            <a:r>
+              <a:rPr lang="en-US" b="1" dirty="0">
+                <a:solidFill>
+                  <a:schemeClr val="tx1">
+                    <a:lumMod val="65000"/>
+                    <a:lumOff val="35000"/>
+                  </a:schemeClr>
+                </a:solidFill>
+              </a:rPr>
+              <a:t>Prediction of Crop Fertilizer Consumption</a:t>
+            </a:r>
+            <a:endParaRPr lang="en-IN" dirty="0"/>
+          </a:p>
+        </p:txBody>
+      </p:sp>
+      <p:sp>
+        <p:nvSpPr>
+          <p:cNvPr id="3" name="Content Placeholder 2"/>
+          <p:cNvSpPr>
+            <a:spLocks noGrp="1"/>
+          </p:cNvSpPr>
+          <p:nvPr>
+            <p:ph sz="quarter" idx="10"/>
+          </p:nvPr>
+        </p:nvSpPr>
+        <p:spPr>
+          <a:xfrm>
+            <a:off x="539496" y="1435607"/>
+            <a:ext cx="5848241" cy="4912941"/>
+          </a:xfrm>
+        </p:spPr>
+        <p:txBody>
+          <a:bodyPr>
+            <a:normAutofit/>
+          </a:bodyPr>
+          <a:lstStyle/>
+          <a:p>
+            <a:pPr lvl="0" algn="just"/>
+            <a:r>
+              <a:rPr lang="en-US" sz="2200" dirty="0" smtClean="0">
+                <a:solidFill>
+                  <a:prstClr val="black">
+                    <a:lumMod val="75000"/>
+                    <a:lumOff val="25000"/>
+                  </a:prstClr>
+                </a:solidFill>
+              </a:rPr>
+              <a:t>Methodology</a:t>
+            </a:r>
+            <a:r>
+              <a:rPr lang="en-US" sz="2200" dirty="0" smtClean="0">
+                <a:solidFill>
+                  <a:prstClr val="black">
+                    <a:lumMod val="75000"/>
+                    <a:lumOff val="25000"/>
+                  </a:prstClr>
+                </a:solidFill>
+              </a:rPr>
+              <a:t> </a:t>
+            </a:r>
+            <a:r>
+              <a:rPr lang="en-US" sz="2200" dirty="0">
+                <a:solidFill>
+                  <a:prstClr val="black">
+                    <a:lumMod val="75000"/>
+                    <a:lumOff val="25000"/>
+                  </a:prstClr>
+                </a:solidFill>
+              </a:rPr>
+              <a:t>:</a:t>
+            </a:r>
+          </a:p>
+          <a:p>
+            <a:pPr lvl="0" algn="just"/>
+            <a:r>
+              <a:rPr lang="en-US" sz="1800" dirty="0" smtClean="0">
+                <a:solidFill>
+                  <a:prstClr val="black">
+                    <a:lumMod val="75000"/>
+                    <a:lumOff val="25000"/>
+                  </a:prstClr>
+                </a:solidFill>
+              </a:rPr>
+              <a:t>This </a:t>
+            </a:r>
+            <a:r>
+              <a:rPr lang="en-US" sz="1800" dirty="0">
+                <a:solidFill>
+                  <a:prstClr val="black">
+                    <a:lumMod val="75000"/>
+                    <a:lumOff val="25000"/>
+                  </a:prstClr>
+                </a:solidFill>
+              </a:rPr>
+              <a:t>system consists of phases such as: Image acquisition, converting of input image to gray scale image, plotting of histogram, segregating plants into healthy and nitrogen deficient plants determining the affected region and fertilizer consumption </a:t>
+            </a:r>
+            <a:r>
+              <a:rPr lang="en-US" sz="1800" dirty="0" smtClean="0">
+                <a:solidFill>
+                  <a:prstClr val="black">
+                    <a:lumMod val="75000"/>
+                    <a:lumOff val="25000"/>
+                  </a:prstClr>
+                </a:solidFill>
+              </a:rPr>
+              <a:t>(akin of </a:t>
+            </a:r>
+            <a:r>
+              <a:rPr lang="en-US" sz="1800" dirty="0">
+                <a:solidFill>
+                  <a:prstClr val="black">
+                    <a:lumMod val="75000"/>
+                    <a:lumOff val="25000"/>
+                  </a:prstClr>
+                </a:solidFill>
+              </a:rPr>
+              <a:t>Digital Image Processing).</a:t>
+            </a:r>
+          </a:p>
+          <a:p>
+            <a:pPr lvl="0" algn="just"/>
+            <a:endParaRPr lang="en-IN" sz="2000" dirty="0">
+              <a:solidFill>
+                <a:prstClr val="black">
+                  <a:lumMod val="75000"/>
+                  <a:lumOff val="25000"/>
+                </a:prstClr>
+              </a:solidFill>
+            </a:endParaRPr>
+          </a:p>
+          <a:p>
+            <a:endParaRPr lang="en-IN" dirty="0"/>
+          </a:p>
+        </p:txBody>
+      </p:sp>
+      <p:pic>
+        <p:nvPicPr>
+          <p:cNvPr id="4" name="Picture 3"/>
+          <p:cNvPicPr>
+            <a:picLocks noChangeAspect="1"/>
+          </p:cNvPicPr>
+          <p:nvPr/>
+        </p:nvPicPr>
+        <p:blipFill>
+          <a:blip r:embed="rId2">
+            <a:extLst>
+              <a:ext uri="{28A0092B-C50C-407E-A947-70E740481C1C}">
+                <a14:useLocalDpi xmlns:a14="http://schemas.microsoft.com/office/drawing/2010/main" val="0"/>
+              </a:ext>
+            </a:extLst>
+          </a:blip>
+          <a:stretch>
+            <a:fillRect/>
+          </a:stretch>
+        </p:blipFill>
+        <p:spPr>
+          <a:xfrm>
+            <a:off x="6760038" y="2129534"/>
+            <a:ext cx="4826716" cy="3824152"/>
+          </a:xfrm>
+          <a:prstGeom prst="roundRect">
+            <a:avLst>
+              <a:gd name="adj" fmla="val 8594"/>
+            </a:avLst>
+          </a:prstGeom>
+          <a:solidFill>
+            <a:srgbClr val="FFFFFF">
+              <a:shade val="85000"/>
+            </a:srgbClr>
+          </a:solidFill>
+          <a:ln>
+            <a:noFill/>
+          </a:ln>
+          <a:effectLst>
+            <a:reflection blurRad="12700" stA="38000" endPos="28000" dist="5000" dir="5400000" sy="-100000" algn="bl" rotWithShape="0"/>
+          </a:effectLst>
+        </p:spPr>
+      </p:pic>
+    </p:spTree>
+    <p:extLst>
+      <p:ext uri="{BB962C8B-B14F-4D97-AF65-F5344CB8AC3E}">
+        <p14:creationId xmlns:p14="http://schemas.microsoft.com/office/powerpoint/2010/main" val="2080528245"/>
+      </p:ext>
+    </p:extLst>
+  </p:cSld>
+  <p:clrMapOvr>
+    <a:masterClrMapping/>
+  </p:clrMapOvr>
+</p:sld>
+</file>
+
+<file path=ppt/slides/slide29.xml><?xml version="1.0" encoding="utf-8"?>
+<p:sld xmlns:a="http://schemas.openxmlformats.org/drawingml/2006/main" xmlns:r="http://schemas.openxmlformats.org/officeDocument/2006/relationships" xmlns:p="http://schemas.openxmlformats.org/presentationml/2006/main">
+  <p:cSld>
+    <p:spTree>
+      <p:nvGrpSpPr>
+        <p:cNvPr id="1" name=""/>
+        <p:cNvGrpSpPr/>
+        <p:nvPr/>
+      </p:nvGrpSpPr>
+      <p:grpSpPr>
+        <a:xfrm>
+          <a:off x="0" y="0"/>
+          <a:ext cx="0" cy="0"/>
+          <a:chOff x="0" y="0"/>
+          <a:chExt cx="0" cy="0"/>
+        </a:xfrm>
+      </p:grpSpPr>
+      <p:sp>
+        <p:nvSpPr>
+          <p:cNvPr id="2" name="Title 1"/>
+          <p:cNvSpPr>
+            <a:spLocks noGrp="1"/>
+          </p:cNvSpPr>
+          <p:nvPr>
+            <p:ph type="title"/>
+          </p:nvPr>
+        </p:nvSpPr>
+        <p:spPr>
+          <a:xfrm>
+            <a:off x="521208" y="448055"/>
+            <a:ext cx="11156986" cy="2504151"/>
+          </a:xfrm>
+        </p:spPr>
+        <p:txBody>
+          <a:bodyPr>
+            <a:normAutofit/>
+          </a:bodyPr>
+          <a:lstStyle/>
+          <a:p>
+            <a:pPr lvl="0" algn="ctr">
+              <a:lnSpc>
+                <a:spcPct val="150000"/>
+              </a:lnSpc>
+              <a:spcBef>
+                <a:spcPts val="1000"/>
+              </a:spcBef>
+              <a:spcAft>
+                <a:spcPts val="1200"/>
+              </a:spcAft>
+            </a:pPr>
+            <a:r>
+              <a:rPr lang="en-GB" sz="7200" dirty="0">
+                <a:solidFill>
+                  <a:schemeClr val="bg1"/>
+                </a:solidFill>
+                <a:latin typeface="Algerian" panose="04020705040A02060702" pitchFamily="82" charset="0"/>
+                <a:ea typeface="+mn-ea"/>
+                <a:cs typeface="+mn-cs"/>
+              </a:rPr>
+              <a:t>Thank </a:t>
+            </a:r>
+            <a:r>
+              <a:rPr lang="en-GB" sz="7200" dirty="0" smtClean="0">
+                <a:solidFill>
+                  <a:schemeClr val="bg1"/>
+                </a:solidFill>
+                <a:latin typeface="Algerian" panose="04020705040A02060702" pitchFamily="82" charset="0"/>
+                <a:ea typeface="+mn-ea"/>
+                <a:cs typeface="+mn-cs"/>
+              </a:rPr>
+              <a:t>You</a:t>
+            </a:r>
+            <a:endParaRPr lang="en-IN" dirty="0">
+              <a:solidFill>
+                <a:schemeClr val="bg1"/>
+              </a:solidFill>
+            </a:endParaRPr>
+          </a:p>
+        </p:txBody>
+      </p:sp>
+    </p:spTree>
+    <p:extLst>
+      <p:ext uri="{BB962C8B-B14F-4D97-AF65-F5344CB8AC3E}">
+        <p14:creationId xmlns:p14="http://schemas.microsoft.com/office/powerpoint/2010/main" val="2427871704"/>
       </p:ext>
     </p:extLst>
   </p:cSld>
